--- a/sem_6_mem/presentations/caos_6.pptx
+++ b/sem_6_mem/presentations/caos_6.pptx
@@ -293,7 +293,7 @@
           <a:p>
             <a:fld id="{1D8BD707-D9CF-40AE-B4C6-C98DA3205C09}" type="datetimeFigureOut">
               <a:rPr lang="en-US"/>
-              <a:t>10/17/2024</a:t>
+              <a:t>11/1/2024</a:t>
             </a:fld>
             <a:endParaRPr lang="en-US"/>
           </a:p>
@@ -468,7 +468,7 @@
           <a:p>
             <a:fld id="{1D8BD707-D9CF-40AE-B4C6-C98DA3205C09}" type="datetimeFigureOut">
               <a:rPr lang="en-US"/>
-              <a:t>10/17/2024</a:t>
+              <a:t>11/1/2024</a:t>
             </a:fld>
             <a:endParaRPr lang="en-US"/>
           </a:p>
@@ -688,7 +688,7 @@
           <a:p>
             <a:fld id="{1D8BD707-D9CF-40AE-B4C6-C98DA3205C09}" type="datetimeFigureOut">
               <a:rPr lang="en-US"/>
-              <a:t>10/17/2024</a:t>
+              <a:t>11/1/2024</a:t>
             </a:fld>
             <a:endParaRPr lang="en-US"/>
           </a:p>
@@ -836,7 +836,7 @@
           <a:p>
             <a:fld id="{1D8BD707-D9CF-40AE-B4C6-C98DA3205C09}" type="datetimeFigureOut">
               <a:rPr lang="en-US"/>
-              <a:t>10/17/2024</a:t>
+              <a:t>11/1/2024</a:t>
             </a:fld>
             <a:endParaRPr lang="en-US"/>
           </a:p>
@@ -955,7 +955,7 @@
           <a:p>
             <a:fld id="{1D8BD707-D9CF-40AE-B4C6-C98DA3205C09}" type="datetimeFigureOut">
               <a:rPr lang="en-US"/>
-              <a:t>10/17/2024</a:t>
+              <a:t>11/1/2024</a:t>
             </a:fld>
             <a:endParaRPr lang="en-US"/>
           </a:p>
@@ -1178,7 +1178,7 @@
           <a:p>
             <a:fld id="{1D8BD707-D9CF-40AE-B4C6-C98DA3205C09}" type="datetimeFigureOut">
               <a:rPr lang="en-US"/>
-              <a:t>10/17/2024</a:t>
+              <a:t>11/1/2024</a:t>
             </a:fld>
             <a:endParaRPr lang="en-US"/>
           </a:p>
@@ -2973,7 +2973,7 @@
         <p:spPr>
           <a:xfrm>
             <a:off x="1076272" y="3532323"/>
-            <a:ext cx="16984980" cy="6665595"/>
+            <a:ext cx="16984980" cy="6763005"/>
           </a:xfrm>
           <a:prstGeom prst="rect">
             <a:avLst/>
@@ -3202,7 +3202,7 @@
               </a:rPr>
               <a:t>PageFault.</a:t>
             </a:r>
-            <a:endParaRPr sz="3950">
+            <a:endParaRPr sz="3950" dirty="0">
               <a:latin typeface="Microsoft Sans Serif"/>
               <a:cs typeface="Microsoft Sans Serif"/>
             </a:endParaRPr>
@@ -3215,7 +3215,7 @@
               <a:buFont typeface="Microsoft Sans Serif"/>
               <a:buChar char="•"/>
             </a:pPr>
-            <a:endParaRPr sz="5300">
+            <a:endParaRPr sz="5300" dirty="0">
               <a:latin typeface="Microsoft Sans Serif"/>
               <a:cs typeface="Microsoft Sans Serif"/>
             </a:endParaRPr>
@@ -3249,7 +3249,7 @@
               </a:rPr>
               <a:t> при</a:t>
             </a:r>
-            <a:endParaRPr sz="3950">
+            <a:endParaRPr sz="3950" dirty="0">
               <a:latin typeface="Lucida Sans Unicode"/>
               <a:cs typeface="Lucida Sans Unicode"/>
             </a:endParaRPr>
@@ -3282,7 +3282,7 @@
               </a:rPr>
               <a:t>файлах</a:t>
             </a:r>
-            <a:endParaRPr sz="3950">
+            <a:endParaRPr sz="3950" dirty="0">
               <a:latin typeface="Lucida Sans Unicode"/>
               <a:cs typeface="Lucida Sans Unicode"/>
             </a:endParaRPr>
@@ -3308,7 +3308,7 @@
               </a:rPr>
               <a:t>Copy-on-write</a:t>
             </a:r>
-            <a:endParaRPr sz="3950">
+            <a:endParaRPr sz="3950" dirty="0">
               <a:latin typeface="Microsoft Sans Serif"/>
               <a:cs typeface="Microsoft Sans Serif"/>
             </a:endParaRPr>
@@ -3329,11 +3329,18 @@
               </a:tabLst>
             </a:pPr>
             <a:r>
+              <a:rPr lang="ru-RU" sz="3950" spc="-25" dirty="0">
+                <a:latin typeface="Lucida Sans Unicode"/>
+                <a:cs typeface="Lucida Sans Unicode"/>
+              </a:rPr>
+              <a:t>Если ещё н</a:t>
+            </a:r>
+            <a:r>
               <a:rPr sz="3950" spc="-25" dirty="0">
                 <a:latin typeface="Lucida Sans Unicode"/>
                 <a:cs typeface="Lucida Sans Unicode"/>
               </a:rPr>
-              <a:t>Не</a:t>
+              <a:t>е</a:t>
             </a:r>
             <a:r>
               <a:rPr sz="3950" spc="-204" dirty="0">
@@ -3343,7 +3350,7 @@
               <a:t> </a:t>
             </a:r>
             <a:r>
-              <a:rPr sz="3950" spc="-110" dirty="0">
+              <a:rPr sz="3950" spc="-110" dirty="0" err="1">
                 <a:latin typeface="Lucida Sans Unicode"/>
                 <a:cs typeface="Lucida Sans Unicode"/>
               </a:rPr>
@@ -3357,55 +3364,41 @@
               <a:t> </a:t>
             </a:r>
             <a:r>
-              <a:rPr sz="3950" spc="60" dirty="0">
+              <a:rPr sz="3950" spc="60" dirty="0" err="1">
                 <a:latin typeface="Lucida Sans Unicode"/>
                 <a:cs typeface="Lucida Sans Unicode"/>
               </a:rPr>
               <a:t>ч</a:t>
             </a:r>
             <a:r>
-              <a:rPr sz="3950" spc="10" dirty="0">
+              <a:rPr sz="3950" spc="10" dirty="0" err="1">
                 <a:latin typeface="Lucida Sans Unicode"/>
                 <a:cs typeface="Lucida Sans Unicode"/>
               </a:rPr>
               <a:t>те</a:t>
             </a:r>
             <a:r>
-              <a:rPr sz="3950" spc="-275" dirty="0">
+              <a:rPr sz="3950" spc="-275" dirty="0" err="1">
                 <a:latin typeface="Lucida Sans Unicode"/>
                 <a:cs typeface="Lucida Sans Unicode"/>
               </a:rPr>
               <a:t>н</a:t>
             </a:r>
             <a:r>
-              <a:rPr sz="3950" spc="-170" dirty="0">
+              <a:rPr sz="3950" spc="-170" dirty="0" err="1">
                 <a:latin typeface="Lucida Sans Unicode"/>
                 <a:cs typeface="Lucida Sans Unicode"/>
               </a:rPr>
               <a:t>и</a:t>
             </a:r>
             <a:r>
-              <a:rPr sz="3950" spc="190" dirty="0">
+              <a:rPr sz="3950" spc="190" dirty="0" err="1">
                 <a:latin typeface="Lucida Sans Unicode"/>
                 <a:cs typeface="Lucida Sans Unicode"/>
               </a:rPr>
               <a:t>я</a:t>
             </a:r>
-            <a:r>
-              <a:rPr sz="3950" spc="-204" dirty="0">
-                <a:latin typeface="Lucida Sans Unicode"/>
-                <a:cs typeface="Lucida Sans Unicode"/>
-              </a:rPr>
-              <a:t> </a:t>
-            </a:r>
-            <a:r>
-              <a:rPr sz="3950" spc="-125" dirty="0">
-                <a:latin typeface="Lucida Sans Unicode"/>
-                <a:cs typeface="Lucida Sans Unicode"/>
-              </a:rPr>
-              <a:t>ещё</a:t>
-            </a:r>
-            <a:endParaRPr sz="3950">
+            <a:endParaRPr sz="3950" dirty="0">
               <a:latin typeface="Lucida Sans Unicode"/>
               <a:cs typeface="Lucida Sans Unicode"/>
             </a:endParaRPr>
